--- a/document/关键讲解.pptx
+++ b/document/关键讲解.pptx
@@ -4054,6 +4054,36 @@
           </a:p>
         </p:txBody>
       </p:sp>
+      <p:pic>
+        <p:nvPicPr>
+          <p:cNvPr id="5" name="图片 4">
+            <a:extLst>
+              <a:ext uri="{FF2B5EF4-FFF2-40B4-BE49-F238E27FC236}">
+                <a16:creationId xmlns:a16="http://schemas.microsoft.com/office/drawing/2014/main" id="{59685F16-C392-4C3A-8B61-DA9EBA1A6242}"/>
+              </a:ext>
+            </a:extLst>
+          </p:cNvPr>
+          <p:cNvPicPr>
+            <a:picLocks noChangeAspect="1"/>
+          </p:cNvPicPr>
+          <p:nvPr/>
+        </p:nvPicPr>
+        <p:blipFill>
+          <a:blip r:embed="rId2"/>
+          <a:stretch>
+            <a:fillRect/>
+          </a:stretch>
+        </p:blipFill>
+        <p:spPr>
+          <a:xfrm>
+            <a:off x="2457851" y="1233793"/>
+            <a:ext cx="6419048" cy="4885714"/>
+          </a:xfrm>
+          <a:prstGeom prst="rect">
+            <a:avLst/>
+          </a:prstGeom>
+        </p:spPr>
+      </p:pic>
     </p:spTree>
     <p:extLst>
       <p:ext uri="{BB962C8B-B14F-4D97-AF65-F5344CB8AC3E}">
@@ -8510,7 +8540,7 @@
         <p:spPr>
           <a:xfrm>
             <a:off x="858651" y="1274969"/>
-            <a:ext cx="8827359" cy="2308324"/>
+            <a:ext cx="8827359" cy="2862322"/>
           </a:xfrm>
           <a:prstGeom prst="rect">
             <a:avLst/>
@@ -8563,33 +8593,36 @@
           </a:p>
           <a:p>
             <a:r>
-              <a:rPr lang="en-US" altLang="zh-CN" dirty="0"/>
-              <a:t>https://blog.csdn.net/chenqide163/article/details/106933858</a:t>
-            </a:r>
-          </a:p>
-          <a:p>
-            <a:endParaRPr lang="en-US" altLang="zh-CN" dirty="0"/>
-          </a:p>
-          <a:p>
-            <a:r>
-              <a:rPr lang="zh-CN" altLang="en-US" dirty="0"/>
-              <a:t>弗洛伊德</a:t>
-            </a:r>
-            <a:r>
-              <a:rPr lang="en-US" altLang="zh-CN" dirty="0"/>
-              <a:t>-</a:t>
-            </a:r>
-            <a:r>
-              <a:rPr lang="zh-CN" altLang="en-US" dirty="0"/>
-              <a:t>斯坦伯格抖动算法：</a:t>
-            </a:r>
-            <a:endParaRPr lang="en-US" altLang="zh-CN" dirty="0"/>
-          </a:p>
-          <a:p>
-            <a:r>
               <a:rPr lang="en-US" altLang="zh-CN" dirty="0">
                 <a:hlinkClick r:id="rId2"/>
               </a:rPr>
+              <a:t>https://blog.csdn.net/chenqide163/article/details/106933858</a:t>
+            </a:r>
+            <a:endParaRPr lang="en-US" altLang="zh-CN" dirty="0"/>
+          </a:p>
+          <a:p>
+            <a:endParaRPr lang="en-US" altLang="zh-CN" dirty="0"/>
+          </a:p>
+          <a:p>
+            <a:r>
+              <a:rPr lang="zh-CN" altLang="en-US" dirty="0"/>
+              <a:t>弗洛伊德</a:t>
+            </a:r>
+            <a:r>
+              <a:rPr lang="en-US" altLang="zh-CN" dirty="0"/>
+              <a:t>-</a:t>
+            </a:r>
+            <a:r>
+              <a:rPr lang="zh-CN" altLang="en-US" dirty="0"/>
+              <a:t>斯坦伯格抖动算法：</a:t>
+            </a:r>
+            <a:endParaRPr lang="en-US" altLang="zh-CN" dirty="0"/>
+          </a:p>
+          <a:p>
+            <a:r>
+              <a:rPr lang="en-US" altLang="zh-CN" dirty="0">
+                <a:hlinkClick r:id="rId3"/>
+              </a:rPr>
               <a:t>https://en.wikipedia.org/wiki/Floyd%E2%80%93Steinberg_dithering</a:t>
             </a:r>
             <a:endParaRPr lang="en-US" altLang="zh-CN" dirty="0"/>
@@ -8610,6 +8643,18 @@
               <a:rPr lang="zh-CN" altLang="en-US" dirty="0"/>
               <a:t>地址：</a:t>
             </a:r>
+            <a:endParaRPr lang="en-US" altLang="zh-CN" dirty="0"/>
+          </a:p>
+          <a:p>
+            <a:r>
+              <a:rPr lang="en-US" altLang="zh-CN" dirty="0">
+                <a:hlinkClick r:id="rId4"/>
+              </a:rPr>
+              <a:t>https://github.com/chenqide163/SSD1306Driver_128x64_OLED_4bilibili</a:t>
+            </a:r>
+            <a:endParaRPr lang="en-US" altLang="zh-CN" dirty="0"/>
+          </a:p>
+          <a:p>
             <a:endParaRPr lang="en-US" altLang="zh-CN" dirty="0"/>
           </a:p>
         </p:txBody>
